--- a/Определение_фродовых_транзакций.pptx
+++ b/Определение_фродовых_транзакций.pptx
@@ -10,9 +10,10 @@
     <p:sldId id="259" r:id="rId4"/>
     <p:sldId id="264" r:id="rId5"/>
     <p:sldId id="260" r:id="rId6"/>
-    <p:sldId id="261" r:id="rId7"/>
-    <p:sldId id="262" r:id="rId8"/>
-    <p:sldId id="263" r:id="rId9"/>
+    <p:sldId id="265" r:id="rId7"/>
+    <p:sldId id="261" r:id="rId8"/>
+    <p:sldId id="262" r:id="rId9"/>
+    <p:sldId id="263" r:id="rId10"/>
   </p:sldIdLst>
   <p:sldSz cx="12192000" cy="6858000"/>
   <p:notesSz cx="6858000" cy="9144000"/>
@@ -5164,6 +5165,945 @@
           </a:p>
         </p:txBody>
       </p:sp>
+      <p:sp>
+        <p:nvSpPr>
+          <p:cNvPr id="2" name="Заголовок 1">
+            <a:extLst>
+              <a:ext uri="{FF2B5EF4-FFF2-40B4-BE49-F238E27FC236}">
+                <a16:creationId xmlns:a16="http://schemas.microsoft.com/office/drawing/2014/main" id="{A2F72BF8-D661-A618-72B5-80C393B0E23C}"/>
+              </a:ext>
+            </a:extLst>
+          </p:cNvPr>
+          <p:cNvSpPr>
+            <a:spLocks noGrp="1"/>
+          </p:cNvSpPr>
+          <p:nvPr>
+            <p:ph type="ctrTitle"/>
+          </p:nvPr>
+        </p:nvSpPr>
+        <p:spPr>
+          <a:xfrm>
+            <a:off x="756458" y="620718"/>
+            <a:ext cx="3080579" cy="965588"/>
+          </a:xfrm>
+        </p:spPr>
+        <p:txBody>
+          <a:bodyPr>
+            <a:noAutofit/>
+          </a:bodyPr>
+          <a:lstStyle/>
+          <a:p>
+            <a:r>
+              <a:rPr lang="ru-RU" dirty="0">
+                <a:solidFill>
+                  <a:schemeClr val="bg1"/>
+                </a:solidFill>
+                <a:effectLst>
+                  <a:glow rad="228600">
+                    <a:schemeClr val="accent1">
+                      <a:satMod val="175000"/>
+                      <a:alpha val="40000"/>
+                    </a:schemeClr>
+                  </a:glow>
+                </a:effectLst>
+                <a:latin typeface="Franklin Gothic Medium" panose="020B0603020102020204" pitchFamily="34" charset="0"/>
+              </a:rPr>
+              <a:t>С</a:t>
+            </a:r>
+            <a:r>
+              <a:rPr lang="ru-RU" dirty="0" smtClean="0">
+                <a:solidFill>
+                  <a:schemeClr val="bg1"/>
+                </a:solidFill>
+                <a:effectLst>
+                  <a:glow rad="228600">
+                    <a:schemeClr val="accent1">
+                      <a:satMod val="175000"/>
+                      <a:alpha val="40000"/>
+                    </a:schemeClr>
+                  </a:glow>
+                </a:effectLst>
+                <a:latin typeface="Franklin Gothic Medium" panose="020B0603020102020204" pitchFamily="34" charset="0"/>
+              </a:rPr>
+              <a:t>делали</a:t>
+            </a:r>
+            <a:endParaRPr lang="ru-RU" dirty="0">
+              <a:solidFill>
+                <a:schemeClr val="bg1"/>
+              </a:solidFill>
+              <a:effectLst>
+                <a:glow rad="228600">
+                  <a:schemeClr val="accent1">
+                    <a:satMod val="175000"/>
+                    <a:alpha val="40000"/>
+                  </a:schemeClr>
+                </a:glow>
+              </a:effectLst>
+              <a:latin typeface="Franklin Gothic Medium" panose="020B0603020102020204" pitchFamily="34" charset="0"/>
+            </a:endParaRPr>
+          </a:p>
+        </p:txBody>
+      </p:sp>
+      <p:pic>
+        <p:nvPicPr>
+          <p:cNvPr id="5" name="Рисунок 4">
+            <a:extLst>
+              <a:ext uri="{FF2B5EF4-FFF2-40B4-BE49-F238E27FC236}">
+                <a16:creationId xmlns:a16="http://schemas.microsoft.com/office/drawing/2014/main" id="{2DEACB31-B890-BF50-1945-27110E2924A3}"/>
+              </a:ext>
+            </a:extLst>
+          </p:cNvPr>
+          <p:cNvPicPr>
+            <a:picLocks noChangeAspect="1"/>
+          </p:cNvPicPr>
+          <p:nvPr/>
+        </p:nvPicPr>
+        <p:blipFill>
+          <a:blip r:embed="rId2"/>
+          <a:stretch>
+            <a:fillRect/>
+          </a:stretch>
+        </p:blipFill>
+        <p:spPr>
+          <a:xfrm>
+            <a:off x="10147986" y="5735637"/>
+            <a:ext cx="1662160" cy="771524"/>
+          </a:xfrm>
+          <a:prstGeom prst="rect">
+            <a:avLst/>
+          </a:prstGeom>
+        </p:spPr>
+      </p:pic>
+      <p:sp>
+        <p:nvSpPr>
+          <p:cNvPr id="17" name="TextBox 16"/>
+          <p:cNvSpPr txBox="1"/>
+          <p:nvPr/>
+        </p:nvSpPr>
+        <p:spPr>
+          <a:xfrm>
+            <a:off x="1222872" y="3290589"/>
+            <a:ext cx="3973484" cy="1384995"/>
+          </a:xfrm>
+          <a:prstGeom prst="rect">
+            <a:avLst/>
+          </a:prstGeom>
+          <a:noFill/>
+        </p:spPr>
+        <p:txBody>
+          <a:bodyPr wrap="square" rtlCol="0">
+            <a:spAutoFit/>
+          </a:bodyPr>
+          <a:lstStyle/>
+          <a:p>
+            <a:r>
+              <a:rPr lang="ru-RU" sz="2800" b="1" dirty="0" smtClean="0">
+                <a:solidFill>
+                  <a:schemeClr val="bg1"/>
+                </a:solidFill>
+                <a:effectLst>
+                  <a:glow rad="101600">
+                    <a:schemeClr val="accent1">
+                      <a:satMod val="175000"/>
+                      <a:alpha val="40000"/>
+                    </a:schemeClr>
+                  </a:glow>
+                </a:effectLst>
+              </a:rPr>
+              <a:t>Разработка </a:t>
+            </a:r>
+            <a:r>
+              <a:rPr lang="ru-RU" sz="2800" b="1" dirty="0">
+                <a:solidFill>
+                  <a:schemeClr val="bg1"/>
+                </a:solidFill>
+                <a:effectLst>
+                  <a:glow rad="101600">
+                    <a:schemeClr val="accent1">
+                      <a:satMod val="175000"/>
+                      <a:alpha val="40000"/>
+                    </a:schemeClr>
+                  </a:glow>
+                </a:effectLst>
+              </a:rPr>
+              <a:t>решения для онлайн проверки транзакций</a:t>
+            </a:r>
+            <a:endParaRPr lang="ru-RU" sz="2800" b="1" dirty="0">
+              <a:solidFill>
+                <a:schemeClr val="bg1"/>
+              </a:solidFill>
+              <a:effectLst>
+                <a:glow rad="101600">
+                  <a:schemeClr val="accent1">
+                    <a:satMod val="175000"/>
+                    <a:alpha val="40000"/>
+                  </a:schemeClr>
+                </a:glow>
+              </a:effectLst>
+              <a:latin typeface="Franklin Gothic Medium" panose="020B0603020102020204" pitchFamily="34" charset="0"/>
+            </a:endParaRPr>
+          </a:p>
+        </p:txBody>
+      </p:sp>
+      <p:sp>
+        <p:nvSpPr>
+          <p:cNvPr id="18" name="TextBox 17"/>
+          <p:cNvSpPr txBox="1"/>
+          <p:nvPr/>
+        </p:nvSpPr>
+        <p:spPr>
+          <a:xfrm>
+            <a:off x="1197032" y="4957758"/>
+            <a:ext cx="2860453" cy="1384995"/>
+          </a:xfrm>
+          <a:prstGeom prst="rect">
+            <a:avLst/>
+          </a:prstGeom>
+          <a:noFill/>
+        </p:spPr>
+        <p:txBody>
+          <a:bodyPr wrap="square" rtlCol="0">
+            <a:spAutoFit/>
+          </a:bodyPr>
+          <a:lstStyle/>
+          <a:p>
+            <a:r>
+              <a:rPr lang="ru-RU" sz="2800" b="1" dirty="0">
+                <a:solidFill>
+                  <a:schemeClr val="bg1"/>
+                </a:solidFill>
+                <a:effectLst>
+                  <a:glow rad="101600">
+                    <a:schemeClr val="accent1">
+                      <a:satMod val="175000"/>
+                      <a:alpha val="40000"/>
+                    </a:schemeClr>
+                  </a:glow>
+                </a:effectLst>
+              </a:rPr>
+              <a:t>Оценка производительности </a:t>
+            </a:r>
+            <a:r>
+              <a:rPr lang="ru-RU" sz="2800" b="1" dirty="0" smtClean="0">
+                <a:solidFill>
+                  <a:schemeClr val="bg1"/>
+                </a:solidFill>
+                <a:effectLst>
+                  <a:glow rad="101600">
+                    <a:schemeClr val="accent1">
+                      <a:satMod val="175000"/>
+                      <a:alpha val="40000"/>
+                    </a:schemeClr>
+                  </a:glow>
+                </a:effectLst>
+              </a:rPr>
+              <a:t>решения</a:t>
+            </a:r>
+            <a:endParaRPr lang="ru-RU" sz="2800" b="1" dirty="0">
+              <a:solidFill>
+                <a:schemeClr val="bg1"/>
+              </a:solidFill>
+              <a:effectLst>
+                <a:glow rad="101600">
+                  <a:schemeClr val="accent1">
+                    <a:satMod val="175000"/>
+                    <a:alpha val="40000"/>
+                  </a:schemeClr>
+                </a:glow>
+              </a:effectLst>
+              <a:latin typeface="Franklin Gothic Medium" panose="020B0603020102020204" pitchFamily="34" charset="0"/>
+            </a:endParaRPr>
+          </a:p>
+        </p:txBody>
+      </p:sp>
+      <p:sp>
+        <p:nvSpPr>
+          <p:cNvPr id="22" name="TextBox 21"/>
+          <p:cNvSpPr txBox="1"/>
+          <p:nvPr/>
+        </p:nvSpPr>
+        <p:spPr>
+          <a:xfrm>
+            <a:off x="1220438" y="2054309"/>
+            <a:ext cx="2907266" cy="954107"/>
+          </a:xfrm>
+          <a:prstGeom prst="rect">
+            <a:avLst/>
+          </a:prstGeom>
+          <a:noFill/>
+        </p:spPr>
+        <p:txBody>
+          <a:bodyPr wrap="square" rtlCol="0">
+            <a:spAutoFit/>
+          </a:bodyPr>
+          <a:lstStyle/>
+          <a:p>
+            <a:r>
+              <a:rPr lang="ru-RU" sz="2800" b="1" dirty="0" smtClean="0">
+                <a:solidFill>
+                  <a:schemeClr val="bg1"/>
+                </a:solidFill>
+                <a:effectLst>
+                  <a:glow rad="101600">
+                    <a:schemeClr val="accent1">
+                      <a:satMod val="175000"/>
+                      <a:alpha val="40000"/>
+                    </a:schemeClr>
+                  </a:glow>
+                </a:effectLst>
+                <a:latin typeface="Franklin Gothic Medium" panose="020B0603020102020204" pitchFamily="34" charset="0"/>
+              </a:rPr>
+              <a:t>Подготовили набор данных </a:t>
+            </a:r>
+            <a:endParaRPr lang="ru-RU" sz="2800" b="1" dirty="0">
+              <a:solidFill>
+                <a:schemeClr val="bg1"/>
+              </a:solidFill>
+              <a:effectLst>
+                <a:glow rad="101600">
+                  <a:schemeClr val="accent1">
+                    <a:satMod val="175000"/>
+                    <a:alpha val="40000"/>
+                  </a:schemeClr>
+                </a:glow>
+              </a:effectLst>
+              <a:latin typeface="Franklin Gothic Medium" panose="020B0603020102020204" pitchFamily="34" charset="0"/>
+            </a:endParaRPr>
+          </a:p>
+        </p:txBody>
+      </p:sp>
+      <p:sp>
+        <p:nvSpPr>
+          <p:cNvPr id="7" name="TextBox 6"/>
+          <p:cNvSpPr txBox="1"/>
+          <p:nvPr/>
+        </p:nvSpPr>
+        <p:spPr>
+          <a:xfrm>
+            <a:off x="6276750" y="646804"/>
+            <a:ext cx="5076306" cy="1015663"/>
+          </a:xfrm>
+          <a:prstGeom prst="rect">
+            <a:avLst/>
+          </a:prstGeom>
+          <a:noFill/>
+        </p:spPr>
+        <p:txBody>
+          <a:bodyPr wrap="square" rtlCol="0">
+            <a:spAutoFit/>
+          </a:bodyPr>
+          <a:lstStyle/>
+          <a:p>
+            <a:r>
+              <a:rPr lang="ru-RU" sz="6000" dirty="0" smtClean="0">
+                <a:solidFill>
+                  <a:schemeClr val="bg1"/>
+                </a:solidFill>
+                <a:effectLst>
+                  <a:glow rad="228600">
+                    <a:schemeClr val="accent1">
+                      <a:satMod val="175000"/>
+                      <a:alpha val="40000"/>
+                    </a:schemeClr>
+                  </a:glow>
+                </a:effectLst>
+                <a:latin typeface="Franklin Gothic Medium" panose="020B0603020102020204" pitchFamily="34" charset="0"/>
+              </a:rPr>
+              <a:t>Использовали</a:t>
+            </a:r>
+            <a:endParaRPr lang="ru-RU" sz="6000" dirty="0">
+              <a:solidFill>
+                <a:schemeClr val="bg1"/>
+              </a:solidFill>
+              <a:effectLst>
+                <a:glow rad="228600">
+                  <a:schemeClr val="accent1">
+                    <a:satMod val="175000"/>
+                    <a:alpha val="40000"/>
+                  </a:schemeClr>
+                </a:glow>
+              </a:effectLst>
+              <a:latin typeface="Franklin Gothic Medium" panose="020B0603020102020204" pitchFamily="34" charset="0"/>
+            </a:endParaRPr>
+          </a:p>
+        </p:txBody>
+      </p:sp>
+      <p:sp>
+        <p:nvSpPr>
+          <p:cNvPr id="10" name="TextBox 9"/>
+          <p:cNvSpPr txBox="1"/>
+          <p:nvPr/>
+        </p:nvSpPr>
+        <p:spPr>
+          <a:xfrm>
+            <a:off x="6895407" y="2246540"/>
+            <a:ext cx="4569231" cy="523220"/>
+          </a:xfrm>
+          <a:prstGeom prst="rect">
+            <a:avLst/>
+          </a:prstGeom>
+          <a:noFill/>
+        </p:spPr>
+        <p:txBody>
+          <a:bodyPr wrap="square" rtlCol="0">
+            <a:spAutoFit/>
+          </a:bodyPr>
+          <a:lstStyle/>
+          <a:p>
+            <a:r>
+              <a:rPr lang="en-US" sz="2800" dirty="0">
+                <a:solidFill>
+                  <a:schemeClr val="bg1"/>
+                </a:solidFill>
+                <a:effectLst>
+                  <a:glow rad="101600">
+                    <a:schemeClr val="accent1">
+                      <a:satMod val="175000"/>
+                      <a:alpha val="40000"/>
+                    </a:schemeClr>
+                  </a:glow>
+                </a:effectLst>
+                <a:latin typeface="Franklin Gothic Medium" panose="020B0603020102020204" pitchFamily="34" charset="0"/>
+              </a:rPr>
+              <a:t>Pandas </a:t>
+            </a:r>
+            <a:r>
+              <a:rPr lang="en-US" sz="2800" dirty="0" err="1">
+                <a:solidFill>
+                  <a:schemeClr val="bg1"/>
+                </a:solidFill>
+                <a:effectLst>
+                  <a:glow rad="101600">
+                    <a:schemeClr val="accent1">
+                      <a:satMod val="175000"/>
+                      <a:alpha val="40000"/>
+                    </a:schemeClr>
+                  </a:glow>
+                </a:effectLst>
+                <a:latin typeface="Franklin Gothic Medium" panose="020B0603020102020204" pitchFamily="34" charset="0"/>
+              </a:rPr>
+              <a:t>NumPy</a:t>
+            </a:r>
+            <a:r>
+              <a:rPr lang="en-US" sz="2800" dirty="0">
+                <a:solidFill>
+                  <a:schemeClr val="bg1"/>
+                </a:solidFill>
+                <a:effectLst>
+                  <a:glow rad="101600">
+                    <a:schemeClr val="accent1">
+                      <a:satMod val="175000"/>
+                      <a:alpha val="40000"/>
+                    </a:schemeClr>
+                  </a:glow>
+                </a:effectLst>
+                <a:latin typeface="Franklin Gothic Medium" panose="020B0603020102020204" pitchFamily="34" charset="0"/>
+              </a:rPr>
+              <a:t> </a:t>
+            </a:r>
+            <a:r>
+              <a:rPr lang="en-US" sz="2800" dirty="0" err="1">
+                <a:solidFill>
+                  <a:schemeClr val="bg1"/>
+                </a:solidFill>
+                <a:effectLst>
+                  <a:glow rad="101600">
+                    <a:schemeClr val="accent1">
+                      <a:satMod val="175000"/>
+                      <a:alpha val="40000"/>
+                    </a:schemeClr>
+                  </a:glow>
+                </a:effectLst>
+                <a:latin typeface="Franklin Gothic Medium" panose="020B0603020102020204" pitchFamily="34" charset="0"/>
+              </a:rPr>
+              <a:t>Scikit</a:t>
+            </a:r>
+            <a:r>
+              <a:rPr lang="en-US" sz="2800" dirty="0">
+                <a:solidFill>
+                  <a:schemeClr val="bg1"/>
+                </a:solidFill>
+                <a:effectLst>
+                  <a:glow rad="101600">
+                    <a:schemeClr val="accent1">
+                      <a:satMod val="175000"/>
+                      <a:alpha val="40000"/>
+                    </a:schemeClr>
+                  </a:glow>
+                </a:effectLst>
+                <a:latin typeface="Franklin Gothic Medium" panose="020B0603020102020204" pitchFamily="34" charset="0"/>
+              </a:rPr>
+              <a:t>-learn</a:t>
+            </a:r>
+            <a:endParaRPr lang="ru-RU" sz="2800" dirty="0">
+              <a:solidFill>
+                <a:schemeClr val="bg1"/>
+              </a:solidFill>
+              <a:effectLst>
+                <a:glow rad="101600">
+                  <a:schemeClr val="accent1">
+                    <a:satMod val="175000"/>
+                    <a:alpha val="40000"/>
+                  </a:schemeClr>
+                </a:glow>
+              </a:effectLst>
+              <a:latin typeface="Franklin Gothic Medium" panose="020B0603020102020204" pitchFamily="34" charset="0"/>
+            </a:endParaRPr>
+          </a:p>
+        </p:txBody>
+      </p:sp>
+      <p:sp>
+        <p:nvSpPr>
+          <p:cNvPr id="11" name="TextBox 10"/>
+          <p:cNvSpPr txBox="1"/>
+          <p:nvPr/>
+        </p:nvSpPr>
+        <p:spPr>
+          <a:xfrm>
+            <a:off x="6895407" y="3549608"/>
+            <a:ext cx="3341716" cy="523220"/>
+          </a:xfrm>
+          <a:prstGeom prst="rect">
+            <a:avLst/>
+          </a:prstGeom>
+          <a:noFill/>
+        </p:spPr>
+        <p:txBody>
+          <a:bodyPr wrap="square" rtlCol="0">
+            <a:spAutoFit/>
+          </a:bodyPr>
+          <a:lstStyle/>
+          <a:p>
+            <a:r>
+              <a:rPr lang="en-US" sz="2800" dirty="0" err="1">
+                <a:solidFill>
+                  <a:schemeClr val="bg1"/>
+                </a:solidFill>
+                <a:effectLst>
+                  <a:glow rad="101600">
+                    <a:schemeClr val="accent1">
+                      <a:satMod val="175000"/>
+                      <a:alpha val="40000"/>
+                    </a:schemeClr>
+                  </a:glow>
+                </a:effectLst>
+                <a:latin typeface="Franklin Gothic Medium" panose="020B0603020102020204" pitchFamily="34" charset="0"/>
+              </a:rPr>
+              <a:t>Matplotlib</a:t>
+            </a:r>
+            <a:r>
+              <a:rPr lang="en-US" sz="2800" dirty="0">
+                <a:solidFill>
+                  <a:schemeClr val="bg1"/>
+                </a:solidFill>
+                <a:effectLst>
+                  <a:glow rad="101600">
+                    <a:schemeClr val="accent1">
+                      <a:satMod val="175000"/>
+                      <a:alpha val="40000"/>
+                    </a:schemeClr>
+                  </a:glow>
+                </a:effectLst>
+                <a:latin typeface="Franklin Gothic Medium" panose="020B0603020102020204" pitchFamily="34" charset="0"/>
+              </a:rPr>
+              <a:t> </a:t>
+            </a:r>
+            <a:r>
+              <a:rPr lang="en-US" sz="2800" dirty="0" err="1">
+                <a:solidFill>
+                  <a:schemeClr val="bg1"/>
+                </a:solidFill>
+                <a:effectLst>
+                  <a:glow rad="101600">
+                    <a:schemeClr val="accent1">
+                      <a:satMod val="175000"/>
+                      <a:alpha val="40000"/>
+                    </a:schemeClr>
+                  </a:glow>
+                </a:effectLst>
+                <a:latin typeface="Franklin Gothic Medium" panose="020B0603020102020204" pitchFamily="34" charset="0"/>
+              </a:rPr>
+              <a:t>Seaborn</a:t>
+            </a:r>
+            <a:endParaRPr lang="ru-RU" sz="2800" dirty="0">
+              <a:solidFill>
+                <a:schemeClr val="bg1"/>
+              </a:solidFill>
+              <a:effectLst>
+                <a:glow rad="101600">
+                  <a:schemeClr val="accent1">
+                    <a:satMod val="175000"/>
+                    <a:alpha val="40000"/>
+                  </a:schemeClr>
+                </a:glow>
+              </a:effectLst>
+              <a:latin typeface="Franklin Gothic Medium" panose="020B0603020102020204" pitchFamily="34" charset="0"/>
+            </a:endParaRPr>
+          </a:p>
+        </p:txBody>
+      </p:sp>
+      <p:pic>
+        <p:nvPicPr>
+          <p:cNvPr id="12" name="Рисунок 11"/>
+          <p:cNvPicPr>
+            <a:picLocks noChangeAspect="1"/>
+          </p:cNvPicPr>
+          <p:nvPr/>
+        </p:nvPicPr>
+        <p:blipFill>
+          <a:blip r:embed="rId3"/>
+          <a:stretch>
+            <a:fillRect/>
+          </a:stretch>
+        </p:blipFill>
+        <p:spPr>
+          <a:xfrm>
+            <a:off x="659330" y="2299609"/>
+            <a:ext cx="396386" cy="396386"/>
+          </a:xfrm>
+          <a:prstGeom prst="rect">
+            <a:avLst/>
+          </a:prstGeom>
+        </p:spPr>
+      </p:pic>
+      <p:pic>
+        <p:nvPicPr>
+          <p:cNvPr id="13" name="Рисунок 12"/>
+          <p:cNvPicPr>
+            <a:picLocks noChangeAspect="1"/>
+          </p:cNvPicPr>
+          <p:nvPr/>
+        </p:nvPicPr>
+        <p:blipFill>
+          <a:blip r:embed="rId4"/>
+          <a:stretch>
+            <a:fillRect/>
+          </a:stretch>
+        </p:blipFill>
+        <p:spPr>
+          <a:xfrm>
+            <a:off x="659442" y="3784949"/>
+            <a:ext cx="396274" cy="396274"/>
+          </a:xfrm>
+          <a:prstGeom prst="rect">
+            <a:avLst/>
+          </a:prstGeom>
+        </p:spPr>
+      </p:pic>
+      <p:pic>
+        <p:nvPicPr>
+          <p:cNvPr id="14" name="Рисунок 13"/>
+          <p:cNvPicPr>
+            <a:picLocks noChangeAspect="1"/>
+          </p:cNvPicPr>
+          <p:nvPr/>
+        </p:nvPicPr>
+        <p:blipFill>
+          <a:blip r:embed="rId4"/>
+          <a:stretch>
+            <a:fillRect/>
+          </a:stretch>
+        </p:blipFill>
+        <p:spPr>
+          <a:xfrm>
+            <a:off x="659442" y="5452118"/>
+            <a:ext cx="396274" cy="396274"/>
+          </a:xfrm>
+          <a:prstGeom prst="rect">
+            <a:avLst/>
+          </a:prstGeom>
+        </p:spPr>
+      </p:pic>
+      <p:pic>
+        <p:nvPicPr>
+          <p:cNvPr id="15" name="Рисунок 14"/>
+          <p:cNvPicPr>
+            <a:picLocks noChangeAspect="1"/>
+          </p:cNvPicPr>
+          <p:nvPr/>
+        </p:nvPicPr>
+        <p:blipFill>
+          <a:blip r:embed="rId5"/>
+          <a:stretch>
+            <a:fillRect/>
+          </a:stretch>
+        </p:blipFill>
+        <p:spPr>
+          <a:xfrm>
+            <a:off x="6276750" y="2280802"/>
+            <a:ext cx="477995" cy="477995"/>
+          </a:xfrm>
+          <a:prstGeom prst="rect">
+            <a:avLst/>
+          </a:prstGeom>
+        </p:spPr>
+      </p:pic>
+      <p:pic>
+        <p:nvPicPr>
+          <p:cNvPr id="20" name="Рисунок 19"/>
+          <p:cNvPicPr>
+            <a:picLocks noChangeAspect="1"/>
+          </p:cNvPicPr>
+          <p:nvPr/>
+        </p:nvPicPr>
+        <p:blipFill>
+          <a:blip r:embed="rId6"/>
+          <a:stretch>
+            <a:fillRect/>
+          </a:stretch>
+        </p:blipFill>
+        <p:spPr>
+          <a:xfrm>
+            <a:off x="6279216" y="3591202"/>
+            <a:ext cx="475529" cy="481626"/>
+          </a:xfrm>
+          <a:prstGeom prst="rect">
+            <a:avLst/>
+          </a:prstGeom>
+        </p:spPr>
+      </p:pic>
+      <p:sp>
+        <p:nvSpPr>
+          <p:cNvPr id="21" name="TextBox 20"/>
+          <p:cNvSpPr txBox="1"/>
+          <p:nvPr/>
+        </p:nvSpPr>
+        <p:spPr>
+          <a:xfrm>
+            <a:off x="6895407" y="4928898"/>
+            <a:ext cx="3956858" cy="523220"/>
+          </a:xfrm>
+          <a:prstGeom prst="rect">
+            <a:avLst/>
+          </a:prstGeom>
+          <a:noFill/>
+        </p:spPr>
+        <p:txBody>
+          <a:bodyPr wrap="square" rtlCol="0">
+            <a:spAutoFit/>
+          </a:bodyPr>
+          <a:lstStyle/>
+          <a:p>
+            <a:r>
+              <a:rPr lang="ru-RU" sz="2800" dirty="0">
+                <a:solidFill>
+                  <a:schemeClr val="bg1"/>
+                </a:solidFill>
+                <a:effectLst>
+                  <a:glow rad="101600">
+                    <a:schemeClr val="accent1">
+                      <a:satMod val="175000"/>
+                      <a:alpha val="40000"/>
+                    </a:schemeClr>
+                  </a:glow>
+                </a:effectLst>
+                <a:latin typeface="Franklin Gothic Medium" panose="020B0603020102020204" pitchFamily="34" charset="0"/>
+              </a:rPr>
+              <a:t>Н</a:t>
+            </a:r>
+            <a:r>
+              <a:rPr lang="ru-RU" sz="2800" dirty="0" smtClean="0">
+                <a:solidFill>
+                  <a:schemeClr val="bg1"/>
+                </a:solidFill>
+                <a:effectLst>
+                  <a:glow rad="101600">
+                    <a:schemeClr val="accent1">
+                      <a:satMod val="175000"/>
+                      <a:alpha val="40000"/>
+                    </a:schemeClr>
+                  </a:glow>
+                </a:effectLst>
+                <a:latin typeface="Franklin Gothic Medium" panose="020B0603020102020204" pitchFamily="34" charset="0"/>
+              </a:rPr>
+              <a:t>абор </a:t>
+            </a:r>
+            <a:r>
+              <a:rPr lang="ru-RU" sz="2800" dirty="0">
+                <a:solidFill>
+                  <a:schemeClr val="bg1"/>
+                </a:solidFill>
+                <a:effectLst>
+                  <a:glow rad="101600">
+                    <a:schemeClr val="accent1">
+                      <a:satMod val="175000"/>
+                      <a:alpha val="40000"/>
+                    </a:schemeClr>
+                  </a:glow>
+                </a:effectLst>
+                <a:latin typeface="Franklin Gothic Medium" panose="020B0603020102020204" pitchFamily="34" charset="0"/>
+              </a:rPr>
+              <a:t>данных с </a:t>
+            </a:r>
+            <a:r>
+              <a:rPr lang="en-US" sz="2800" dirty="0" err="1">
+                <a:solidFill>
+                  <a:schemeClr val="bg1"/>
+                </a:solidFill>
+                <a:effectLst>
+                  <a:glow rad="101600">
+                    <a:schemeClr val="accent1">
+                      <a:satMod val="175000"/>
+                      <a:alpha val="40000"/>
+                    </a:schemeClr>
+                  </a:glow>
+                </a:effectLst>
+                <a:latin typeface="Franklin Gothic Medium" panose="020B0603020102020204" pitchFamily="34" charset="0"/>
+              </a:rPr>
+              <a:t>Kaggle</a:t>
+            </a:r>
+            <a:endParaRPr lang="ru-RU" sz="2800" dirty="0">
+              <a:solidFill>
+                <a:schemeClr val="bg1"/>
+              </a:solidFill>
+              <a:effectLst>
+                <a:glow rad="101600">
+                  <a:schemeClr val="accent1">
+                    <a:satMod val="175000"/>
+                    <a:alpha val="40000"/>
+                  </a:schemeClr>
+                </a:glow>
+              </a:effectLst>
+              <a:latin typeface="Franklin Gothic Medium" panose="020B0603020102020204" pitchFamily="34" charset="0"/>
+            </a:endParaRPr>
+          </a:p>
+        </p:txBody>
+      </p:sp>
+      <p:pic>
+        <p:nvPicPr>
+          <p:cNvPr id="23" name="Рисунок 22"/>
+          <p:cNvPicPr>
+            <a:picLocks noChangeAspect="1"/>
+          </p:cNvPicPr>
+          <p:nvPr/>
+        </p:nvPicPr>
+        <p:blipFill>
+          <a:blip r:embed="rId6"/>
+          <a:stretch>
+            <a:fillRect/>
+          </a:stretch>
+        </p:blipFill>
+        <p:spPr>
+          <a:xfrm>
+            <a:off x="6279216" y="4970492"/>
+            <a:ext cx="475529" cy="481626"/>
+          </a:xfrm>
+          <a:prstGeom prst="rect">
+            <a:avLst/>
+          </a:prstGeom>
+        </p:spPr>
+      </p:pic>
+    </p:spTree>
+    <p:extLst>
+      <p:ext uri="{BB962C8B-B14F-4D97-AF65-F5344CB8AC3E}">
+        <p14:creationId xmlns:p14="http://schemas.microsoft.com/office/powerpoint/2010/main" val="121835627"/>
+      </p:ext>
+    </p:extLst>
+  </p:cSld>
+  <p:clrMapOvr>
+    <a:masterClrMapping/>
+  </p:clrMapOvr>
+  <p:timing>
+    <p:tnLst>
+      <p:par>
+        <p:cTn id="1" dur="indefinite" restart="never" nodeType="tmRoot"/>
+      </p:par>
+    </p:tnLst>
+  </p:timing>
+</p:sld>
+</file>
+
+<file path=ppt/slides/slide7.xml><?xml version="1.0" encoding="utf-8"?>
+<p:sld xmlns:a="http://schemas.openxmlformats.org/drawingml/2006/main" xmlns:r="http://schemas.openxmlformats.org/officeDocument/2006/relationships" xmlns:p="http://schemas.openxmlformats.org/presentationml/2006/main">
+  <p:cSld>
+    <p:spTree>
+      <p:nvGrpSpPr>
+        <p:cNvPr id="1" name=""/>
+        <p:cNvGrpSpPr/>
+        <p:nvPr/>
+      </p:nvGrpSpPr>
+      <p:grpSpPr>
+        <a:xfrm>
+          <a:off x="0" y="0"/>
+          <a:ext cx="0" cy="0"/>
+          <a:chOff x="0" y="0"/>
+          <a:chExt cx="0" cy="0"/>
+        </a:xfrm>
+      </p:grpSpPr>
+      <p:sp>
+        <p:nvSpPr>
+          <p:cNvPr id="4" name="Прямоугольник 3">
+            <a:extLst>
+              <a:ext uri="{FF2B5EF4-FFF2-40B4-BE49-F238E27FC236}">
+                <a16:creationId xmlns:a16="http://schemas.microsoft.com/office/drawing/2014/main" id="{D4F06852-6B2C-C24A-2E68-3BAA7160F23B}"/>
+              </a:ext>
+            </a:extLst>
+          </p:cNvPr>
+          <p:cNvSpPr/>
+          <p:nvPr/>
+        </p:nvSpPr>
+        <p:spPr>
+          <a:xfrm>
+            <a:off x="0" y="0"/>
+            <a:ext cx="12192000" cy="6858001"/>
+          </a:xfrm>
+          <a:prstGeom prst="rect">
+            <a:avLst/>
+          </a:prstGeom>
+          <a:ln w="57150">
+            <a:solidFill>
+              <a:schemeClr val="accent1">
+                <a:lumMod val="50000"/>
+              </a:schemeClr>
+            </a:solidFill>
+          </a:ln>
+          <a:effectLst>
+            <a:glow rad="152400">
+              <a:schemeClr val="accent1">
+                <a:satMod val="175000"/>
+                <a:alpha val="40000"/>
+              </a:schemeClr>
+            </a:glow>
+          </a:effectLst>
+          <a:scene3d>
+            <a:camera prst="orthographicFront"/>
+            <a:lightRig rig="freezing" dir="t"/>
+          </a:scene3d>
+        </p:spPr>
+        <p:style>
+          <a:lnRef idx="2">
+            <a:schemeClr val="dk1">
+              <a:shade val="15000"/>
+            </a:schemeClr>
+          </a:lnRef>
+          <a:fillRef idx="1">
+            <a:schemeClr val="dk1"/>
+          </a:fillRef>
+          <a:effectRef idx="0">
+            <a:schemeClr val="dk1"/>
+          </a:effectRef>
+          <a:fontRef idx="minor">
+            <a:schemeClr val="lt1"/>
+          </a:fontRef>
+        </p:style>
+        <p:txBody>
+          <a:bodyPr rtlCol="0" anchor="ctr"/>
+          <a:lstStyle/>
+          <a:p>
+            <a:pPr algn="ctr"/>
+            <a:endParaRPr lang="ru-RU" dirty="0">
+              <a:effectLst>
+                <a:glow rad="228600">
+                  <a:schemeClr val="accent1">
+                    <a:satMod val="175000"/>
+                    <a:alpha val="40000"/>
+                  </a:schemeClr>
+                </a:glow>
+              </a:effectLst>
+            </a:endParaRPr>
+          </a:p>
+        </p:txBody>
+      </p:sp>
       <p:pic>
         <p:nvPicPr>
           <p:cNvPr id="5" name="Рисунок 4">
@@ -5408,7 +6348,7 @@
 </p:sld>
 </file>
 
-<file path=ppt/slides/slide7.xml><?xml version="1.0" encoding="utf-8"?>
+<file path=ppt/slides/slide8.xml><?xml version="1.0" encoding="utf-8"?>
 <p:sld xmlns:a="http://schemas.openxmlformats.org/drawingml/2006/main" xmlns:r="http://schemas.openxmlformats.org/officeDocument/2006/relationships" xmlns:p="http://schemas.openxmlformats.org/presentationml/2006/main">
   <p:cSld>
     <p:spTree>
@@ -5649,7 +6589,7 @@
 </p:sld>
 </file>
 
-<file path=ppt/slides/slide8.xml><?xml version="1.0" encoding="utf-8"?>
+<file path=ppt/slides/slide9.xml><?xml version="1.0" encoding="utf-8"?>
 <p:sld xmlns:a="http://schemas.openxmlformats.org/drawingml/2006/main" xmlns:r="http://schemas.openxmlformats.org/officeDocument/2006/relationships" xmlns:p="http://schemas.openxmlformats.org/presentationml/2006/main">
   <p:cSld>
     <p:spTree>
